--- a/課題研究/2013/安藤勇樹/課題研究ポスター.pptx
+++ b/課題研究/2013/安藤勇樹/課題研究ポスター.pptx
@@ -1942,11 +1942,11 @@
         </c:dLbls>
         <c:marker val="1"/>
         <c:smooth val="0"/>
-        <c:axId val="190852480"/>
-        <c:axId val="190874752"/>
+        <c:axId val="101223040"/>
+        <c:axId val="101233024"/>
       </c:lineChart>
       <c:dateAx>
-        <c:axId val="190852480"/>
+        <c:axId val="101223040"/>
         <c:scaling>
           <c:orientation val="minMax"/>
         </c:scaling>
@@ -1956,14 +1956,14 @@
         <c:majorTickMark val="out"/>
         <c:minorTickMark val="none"/>
         <c:tickLblPos val="low"/>
-        <c:crossAx val="190874752"/>
+        <c:crossAx val="101233024"/>
         <c:crosses val="autoZero"/>
         <c:auto val="1"/>
         <c:lblOffset val="100"/>
         <c:baseTimeUnit val="days"/>
       </c:dateAx>
       <c:valAx>
-        <c:axId val="190874752"/>
+        <c:axId val="101233024"/>
         <c:scaling>
           <c:orientation val="minMax"/>
         </c:scaling>
@@ -1974,7 +1974,7 @@
         <c:majorTickMark val="out"/>
         <c:minorTickMark val="none"/>
         <c:tickLblPos val="nextTo"/>
-        <c:crossAx val="190852480"/>
+        <c:crossAx val="101223040"/>
         <c:crosses val="autoZero"/>
         <c:crossBetween val="between"/>
       </c:valAx>
@@ -2589,11 +2589,11 @@
         </c:dLbls>
         <c:gapWidth val="75"/>
         <c:overlap val="100"/>
-        <c:axId val="190751872"/>
-        <c:axId val="190753408"/>
+        <c:axId val="102556032"/>
+        <c:axId val="102557568"/>
       </c:barChart>
       <c:catAx>
-        <c:axId val="190751872"/>
+        <c:axId val="102556032"/>
         <c:scaling>
           <c:orientation val="minMax"/>
         </c:scaling>
@@ -2602,7 +2602,7 @@
         <c:majorTickMark val="none"/>
         <c:minorTickMark val="none"/>
         <c:tickLblPos val="nextTo"/>
-        <c:crossAx val="190753408"/>
+        <c:crossAx val="102557568"/>
         <c:crosses val="autoZero"/>
         <c:auto val="1"/>
         <c:lblAlgn val="ctr"/>
@@ -2610,7 +2610,7 @@
         <c:noMultiLvlLbl val="0"/>
       </c:catAx>
       <c:valAx>
-        <c:axId val="190753408"/>
+        <c:axId val="102557568"/>
         <c:scaling>
           <c:orientation val="minMax"/>
         </c:scaling>
@@ -2626,7 +2626,7 @@
             <a:noFill/>
           </a:ln>
         </c:spPr>
-        <c:crossAx val="190751872"/>
+        <c:crossAx val="102556032"/>
         <c:crosses val="autoZero"/>
         <c:crossBetween val="between"/>
       </c:valAx>
@@ -3757,11 +3757,11 @@
         </c:dLbls>
         <c:marker val="1"/>
         <c:smooth val="0"/>
-        <c:axId val="190833024"/>
-        <c:axId val="190834560"/>
+        <c:axId val="102673792"/>
+        <c:axId val="102675584"/>
       </c:lineChart>
       <c:catAx>
-        <c:axId val="190833024"/>
+        <c:axId val="102673792"/>
         <c:scaling>
           <c:orientation val="minMax"/>
         </c:scaling>
@@ -3781,7 +3781,7 @@
             <a:endParaRPr lang="ja-JP"/>
           </a:p>
         </c:txPr>
-        <c:crossAx val="190834560"/>
+        <c:crossAx val="102675584"/>
         <c:crossesAt val="0"/>
         <c:auto val="1"/>
         <c:lblAlgn val="ctr"/>
@@ -3789,7 +3789,7 @@
         <c:noMultiLvlLbl val="0"/>
       </c:catAx>
       <c:valAx>
-        <c:axId val="190834560"/>
+        <c:axId val="102675584"/>
         <c:scaling>
           <c:orientation val="minMax"/>
         </c:scaling>
@@ -3800,7 +3800,7 @@
         <c:majorTickMark val="out"/>
         <c:minorTickMark val="none"/>
         <c:tickLblPos val="none"/>
-        <c:crossAx val="190833024"/>
+        <c:crossAx val="102673792"/>
         <c:crosses val="autoZero"/>
         <c:crossBetween val="between"/>
       </c:valAx>
@@ -6596,7 +6596,7 @@
           <a:p>
             <a:fld id="{7128325F-7ED4-4913-BC8A-90D734B46FD2}" type="datetimeFigureOut">
               <a:rPr kumimoji="1" lang="ja-JP" altLang="en-US" smtClean="0"/>
-              <a:t>2013/12/11</a:t>
+              <a:t>2013/12/12</a:t>
             </a:fld>
             <a:endParaRPr kumimoji="1" lang="ja-JP" altLang="en-US"/>
           </a:p>
@@ -6913,7 +6913,7 @@
           <a:p>
             <a:fld id="{7128325F-7ED4-4913-BC8A-90D734B46FD2}" type="datetimeFigureOut">
               <a:rPr kumimoji="1" lang="ja-JP" altLang="en-US" smtClean="0"/>
-              <a:t>2013/12/11</a:t>
+              <a:t>2013/12/12</a:t>
             </a:fld>
             <a:endParaRPr kumimoji="1" lang="ja-JP" altLang="en-US"/>
           </a:p>
@@ -7120,7 +7120,7 @@
           <a:p>
             <a:fld id="{7128325F-7ED4-4913-BC8A-90D734B46FD2}" type="datetimeFigureOut">
               <a:rPr kumimoji="1" lang="ja-JP" altLang="en-US" smtClean="0"/>
-              <a:t>2013/12/11</a:t>
+              <a:t>2013/12/12</a:t>
             </a:fld>
             <a:endParaRPr kumimoji="1" lang="ja-JP" altLang="en-US"/>
           </a:p>
@@ -7317,7 +7317,7 @@
           <a:p>
             <a:fld id="{7128325F-7ED4-4913-BC8A-90D734B46FD2}" type="datetimeFigureOut">
               <a:rPr kumimoji="1" lang="ja-JP" altLang="en-US" smtClean="0"/>
-              <a:t>2013/12/11</a:t>
+              <a:t>2013/12/12</a:t>
             </a:fld>
             <a:endParaRPr kumimoji="1" lang="ja-JP" altLang="en-US"/>
           </a:p>
@@ -7558,7 +7558,7 @@
           <a:p>
             <a:fld id="{7128325F-7ED4-4913-BC8A-90D734B46FD2}" type="datetimeFigureOut">
               <a:rPr kumimoji="1" lang="ja-JP" altLang="en-US" smtClean="0"/>
-              <a:t>2013/12/11</a:t>
+              <a:t>2013/12/12</a:t>
             </a:fld>
             <a:endParaRPr kumimoji="1" lang="ja-JP" altLang="en-US"/>
           </a:p>
@@ -7671,7 +7671,7 @@
           <a:p>
             <a:fld id="{7128325F-7ED4-4913-BC8A-90D734B46FD2}" type="datetimeFigureOut">
               <a:rPr kumimoji="1" lang="ja-JP" altLang="en-US" smtClean="0"/>
-              <a:t>2013/12/11</a:t>
+              <a:t>2013/12/12</a:t>
             </a:fld>
             <a:endParaRPr kumimoji="1" lang="ja-JP" altLang="en-US"/>
           </a:p>
@@ -8338,7 +8338,7 @@
           <a:p>
             <a:fld id="{7128325F-7ED4-4913-BC8A-90D734B46FD2}" type="datetimeFigureOut">
               <a:rPr kumimoji="1" lang="ja-JP" altLang="en-US" smtClean="0"/>
-              <a:t>2013/12/11</a:t>
+              <a:t>2013/12/12</a:t>
             </a:fld>
             <a:endParaRPr kumimoji="1" lang="ja-JP" altLang="en-US"/>
           </a:p>
@@ -8451,7 +8451,7 @@
           <a:p>
             <a:fld id="{7128325F-7ED4-4913-BC8A-90D734B46FD2}" type="datetimeFigureOut">
               <a:rPr kumimoji="1" lang="ja-JP" altLang="en-US" smtClean="0"/>
-              <a:t>2013/12/11</a:t>
+              <a:t>2013/12/12</a:t>
             </a:fld>
             <a:endParaRPr kumimoji="1" lang="ja-JP" altLang="en-US"/>
           </a:p>
@@ -8541,7 +8541,7 @@
           <a:p>
             <a:fld id="{7128325F-7ED4-4913-BC8A-90D734B46FD2}" type="datetimeFigureOut">
               <a:rPr kumimoji="1" lang="ja-JP" altLang="en-US" smtClean="0"/>
-              <a:t>2013/12/11</a:t>
+              <a:t>2013/12/12</a:t>
             </a:fld>
             <a:endParaRPr kumimoji="1" lang="ja-JP" altLang="en-US"/>
           </a:p>
@@ -11192,7 +11192,7 @@
           <a:p>
             <a:fld id="{7128325F-7ED4-4913-BC8A-90D734B46FD2}" type="datetimeFigureOut">
               <a:rPr kumimoji="1" lang="ja-JP" altLang="en-US" smtClean="0"/>
-              <a:t>2013/12/11</a:t>
+              <a:t>2013/12/12</a:t>
             </a:fld>
             <a:endParaRPr kumimoji="1" lang="ja-JP" altLang="en-US"/>
           </a:p>
@@ -14436,7 +14436,7 @@
           <a:p>
             <a:fld id="{7128325F-7ED4-4913-BC8A-90D734B46FD2}" type="datetimeFigureOut">
               <a:rPr kumimoji="1" lang="ja-JP" altLang="en-US" smtClean="0"/>
-              <a:t>2013/12/11</a:t>
+              <a:t>2013/12/12</a:t>
             </a:fld>
             <a:endParaRPr kumimoji="1" lang="ja-JP" altLang="en-US"/>
           </a:p>
@@ -17290,7 +17290,7 @@
           <a:p>
             <a:fld id="{7128325F-7ED4-4913-BC8A-90D734B46FD2}" type="datetimeFigureOut">
               <a:rPr kumimoji="1" lang="ja-JP" altLang="en-US" smtClean="0"/>
-              <a:t>2013/12/11</a:t>
+              <a:t>2013/12/12</a:t>
             </a:fld>
             <a:endParaRPr kumimoji="1" lang="ja-JP" altLang="en-US"/>
           </a:p>
@@ -17847,7 +17847,7 @@
         </p:nvSpPr>
         <p:spPr>
           <a:xfrm>
-            <a:off x="1009405" y="618625"/>
+            <a:off x="1418031" y="647487"/>
             <a:ext cx="19644521" cy="3991434"/>
           </a:xfrm>
           <a:prstGeom prst="rect">
@@ -17867,7 +17867,7 @@
               </a:lnSpc>
             </a:pPr>
             <a:r>
-              <a:rPr lang="en-US" altLang="ja-JP" sz="8000" b="1" dirty="0"/>
+              <a:rPr lang="en-US" altLang="ja-JP" sz="8000" b="1" dirty="0" smtClean="0"/>
               <a:t>Twitter</a:t>
             </a:r>
             <a:r>
@@ -17876,7 +17876,15 @@
                 <a:ea typeface="メイリオ" pitchFamily="50" charset="-128"/>
                 <a:cs typeface="メイリオ" pitchFamily="50" charset="-128"/>
               </a:rPr>
-              <a:t>を活用しての</a:t>
+              <a:t>を</a:t>
+            </a:r>
+            <a:r>
+              <a:rPr lang="ja-JP" altLang="en-US" sz="8000" b="1" dirty="0" smtClean="0">
+                <a:latin typeface="メイリオ" pitchFamily="50" charset="-128"/>
+                <a:ea typeface="メイリオ" pitchFamily="50" charset="-128"/>
+                <a:cs typeface="メイリオ" pitchFamily="50" charset="-128"/>
+              </a:rPr>
+              <a:t>活用する</a:t>
             </a:r>
             <a:endParaRPr lang="en-US" altLang="ja-JP" sz="8000" b="1" dirty="0">
               <a:latin typeface="メイリオ" pitchFamily="50" charset="-128"/>
@@ -17891,7 +17899,23 @@
                 <a:ea typeface="メイリオ" pitchFamily="50" charset="-128"/>
                 <a:cs typeface="メイリオ" pitchFamily="50" charset="-128"/>
               </a:rPr>
-              <a:t>　　　マーケティング活動に関する研究</a:t>
+              <a:t>　　　</a:t>
+            </a:r>
+            <a:r>
+              <a:rPr lang="ja-JP" altLang="en-US" sz="8000" b="1" dirty="0" smtClean="0">
+                <a:latin typeface="メイリオ" pitchFamily="50" charset="-128"/>
+                <a:ea typeface="メイリオ" pitchFamily="50" charset="-128"/>
+                <a:cs typeface="メイリオ" pitchFamily="50" charset="-128"/>
+              </a:rPr>
+              <a:t>　　マーケティングに</a:t>
+            </a:r>
+            <a:r>
+              <a:rPr lang="ja-JP" altLang="en-US" sz="8000" b="1" dirty="0">
+                <a:latin typeface="メイリオ" pitchFamily="50" charset="-128"/>
+                <a:ea typeface="メイリオ" pitchFamily="50" charset="-128"/>
+                <a:cs typeface="メイリオ" pitchFamily="50" charset="-128"/>
+              </a:rPr>
+              <a:t>関する研究</a:t>
             </a:r>
           </a:p>
         </p:txBody>
@@ -17904,7 +17928,7 @@
         </p:nvSpPr>
         <p:spPr>
           <a:xfrm>
-            <a:off x="11142517" y="-481541"/>
+            <a:off x="10981432" y="-481541"/>
             <a:ext cx="8308656" cy="3363326"/>
           </a:xfrm>
           <a:prstGeom prst="rect">
@@ -19254,8 +19278,8 @@
         </p:nvSpPr>
         <p:spPr>
           <a:xfrm>
-            <a:off x="14509824" y="22556811"/>
-            <a:ext cx="5664907" cy="2221719"/>
+            <a:off x="14221792" y="22484803"/>
+            <a:ext cx="6192688" cy="2329440"/>
           </a:xfrm>
           <a:prstGeom prst="rect">
             <a:avLst/>
@@ -19276,7 +19300,7 @@
               <a:t> </a:t>
             </a:r>
             <a:r>
-              <a:rPr lang="en-US" altLang="ja-JP" sz="6000" b="1" dirty="0">
+              <a:rPr lang="en-US" altLang="ja-JP" sz="6600" b="1" dirty="0">
                 <a:ea typeface="メイリオ" pitchFamily="50" charset="-128"/>
                 <a:cs typeface="メイリオ" pitchFamily="50" charset="-128"/>
               </a:rPr>
@@ -19285,34 +19309,34 @@
           </a:p>
           <a:p>
             <a:r>
-              <a:rPr lang="en-US" altLang="ja-JP" sz="6000" b="1" dirty="0">
+              <a:rPr lang="en-US" altLang="ja-JP" sz="6600" b="1" dirty="0">
                 <a:ea typeface="メイリオ" pitchFamily="50" charset="-128"/>
                 <a:cs typeface="メイリオ" pitchFamily="50" charset="-128"/>
               </a:rPr>
               <a:t>      </a:t>
             </a:r>
             <a:r>
-              <a:rPr lang="ja-JP" altLang="en-US" sz="6000" b="1" dirty="0" smtClean="0">
+              <a:rPr lang="ja-JP" altLang="en-US" sz="6600" b="1" dirty="0" smtClean="0">
                 <a:ea typeface="メイリオ" pitchFamily="50" charset="-128"/>
                 <a:cs typeface="メイリオ" pitchFamily="50" charset="-128"/>
               </a:rPr>
               <a:t>　</a:t>
             </a:r>
             <a:r>
-              <a:rPr lang="en-US" altLang="ja-JP" sz="6000" b="1" dirty="0" smtClean="0">
+              <a:rPr lang="en-US" altLang="ja-JP" sz="6600" b="1" dirty="0" smtClean="0">
                 <a:ea typeface="メイリオ" pitchFamily="50" charset="-128"/>
                 <a:cs typeface="メイリオ" pitchFamily="50" charset="-128"/>
               </a:rPr>
               <a:t> </a:t>
             </a:r>
             <a:r>
-              <a:rPr lang="en-US" altLang="ja-JP" sz="6000" b="1" dirty="0">
+              <a:rPr lang="en-US" altLang="ja-JP" sz="6600" b="1" dirty="0">
                 <a:ea typeface="メイリオ" pitchFamily="50" charset="-128"/>
                 <a:cs typeface="メイリオ" pitchFamily="50" charset="-128"/>
               </a:rPr>
               <a:t>Insight</a:t>
             </a:r>
-            <a:endParaRPr lang="ja-JP" altLang="en-US" sz="6000" b="1" dirty="0">
+            <a:endParaRPr lang="ja-JP" altLang="en-US" sz="6600" b="1" dirty="0">
               <a:ea typeface="メイリオ" pitchFamily="50" charset="-128"/>
               <a:cs typeface="メイリオ" pitchFamily="50" charset="-128"/>
             </a:endParaRPr>
@@ -19504,8 +19528,8 @@
         </p:nvSpPr>
         <p:spPr>
           <a:xfrm>
-            <a:off x="2390582" y="23567614"/>
-            <a:ext cx="5671540" cy="1221445"/>
+            <a:off x="2340472" y="23348899"/>
+            <a:ext cx="5671540" cy="1313778"/>
           </a:xfrm>
           <a:prstGeom prst="rect">
             <a:avLst/>
@@ -19519,13 +19543,13 @@
           <a:lstStyle/>
           <a:p>
             <a:r>
-              <a:rPr lang="en-US" altLang="ja-JP" sz="6000" b="1" dirty="0" err="1">
+              <a:rPr lang="en-US" altLang="ja-JP" sz="6600" b="1" dirty="0" err="1">
                 <a:ea typeface="メイリオ" pitchFamily="50" charset="-128"/>
                 <a:cs typeface="メイリオ" pitchFamily="50" charset="-128"/>
               </a:rPr>
               <a:t>whotwi</a:t>
             </a:r>
-            <a:endParaRPr lang="ja-JP" altLang="en-US" sz="6000" b="1" dirty="0">
+            <a:endParaRPr lang="ja-JP" altLang="en-US" sz="6600" b="1" dirty="0">
               <a:ea typeface="メイリオ" pitchFamily="50" charset="-128"/>
               <a:cs typeface="メイリオ" pitchFamily="50" charset="-128"/>
             </a:endParaRPr>
@@ -19662,8 +19686,8 @@
         </p:nvSpPr>
         <p:spPr>
           <a:xfrm>
-            <a:off x="8295238" y="23567614"/>
-            <a:ext cx="6810791" cy="1221445"/>
+            <a:off x="8295238" y="23348899"/>
+            <a:ext cx="6810791" cy="1313778"/>
           </a:xfrm>
           <a:prstGeom prst="rect">
             <a:avLst/>
@@ -19677,13 +19701,13 @@
           <a:lstStyle/>
           <a:p>
             <a:r>
-              <a:rPr lang="en-US" altLang="ja-JP" sz="6000" b="1" dirty="0" err="1">
+              <a:rPr lang="en-US" altLang="ja-JP" sz="6600" b="1" dirty="0" err="1">
                 <a:ea typeface="メイリオ" pitchFamily="50" charset="-128"/>
                 <a:cs typeface="メイリオ" pitchFamily="50" charset="-128"/>
               </a:rPr>
               <a:t>Similarweb</a:t>
             </a:r>
-            <a:endParaRPr lang="ja-JP" altLang="en-US" sz="6000" b="1" dirty="0">
+            <a:endParaRPr lang="ja-JP" altLang="en-US" sz="6600" b="1" dirty="0">
               <a:ea typeface="メイリオ" pitchFamily="50" charset="-128"/>
               <a:cs typeface="メイリオ" pitchFamily="50" charset="-128"/>
             </a:endParaRPr>
@@ -19761,15 +19785,15 @@
         </p:nvSpPr>
         <p:spPr>
           <a:xfrm>
-            <a:off x="588278" y="7435131"/>
-            <a:ext cx="20210245" cy="6984776"/>
+            <a:off x="540272" y="7363123"/>
+            <a:ext cx="20210245" cy="6480720"/>
           </a:xfrm>
           <a:prstGeom prst="downArrowCallout">
             <a:avLst>
-              <a:gd name="adj1" fmla="val 7513"/>
-              <a:gd name="adj2" fmla="val 10505"/>
+              <a:gd name="adj1" fmla="val 13352"/>
+              <a:gd name="adj2" fmla="val 12451"/>
               <a:gd name="adj3" fmla="val 8641"/>
-              <a:gd name="adj4" fmla="val 83154"/>
+              <a:gd name="adj4" fmla="val 81172"/>
             </a:avLst>
           </a:prstGeom>
           <a:solidFill>
@@ -19814,7 +19838,7 @@
         </p:nvSpPr>
         <p:spPr>
           <a:xfrm>
-            <a:off x="11142517" y="-481541"/>
+            <a:off x="10981432" y="-481541"/>
             <a:ext cx="8308656" cy="3363326"/>
           </a:xfrm>
           <a:prstGeom prst="rect">
@@ -20033,7 +20057,7 @@
         </p:nvSpPr>
         <p:spPr>
           <a:xfrm>
-            <a:off x="1257490" y="9336153"/>
+            <a:off x="1257490" y="8803283"/>
             <a:ext cx="5706371" cy="1578250"/>
           </a:xfrm>
           <a:prstGeom prst="roundRect">
@@ -20083,7 +20107,7 @@
         </p:nvSpPr>
         <p:spPr>
           <a:xfrm>
-            <a:off x="8081628" y="9307991"/>
+            <a:off x="8081628" y="8803283"/>
             <a:ext cx="5755588" cy="1606413"/>
           </a:xfrm>
           <a:prstGeom prst="roundRect">
@@ -20149,7 +20173,7 @@
         </p:nvSpPr>
         <p:spPr>
           <a:xfrm>
-            <a:off x="14730988" y="9307994"/>
+            <a:off x="14730988" y="8803283"/>
             <a:ext cx="5393861" cy="1606410"/>
           </a:xfrm>
           <a:prstGeom prst="roundRect">
@@ -20279,8 +20303,8 @@
         </p:nvSpPr>
         <p:spPr>
           <a:xfrm>
-            <a:off x="2162418" y="7777101"/>
-            <a:ext cx="4039816" cy="1529221"/>
+            <a:off x="2621136" y="7579147"/>
+            <a:ext cx="4039816" cy="1221445"/>
           </a:xfrm>
           <a:prstGeom prst="rect">
             <a:avLst/>
@@ -20294,13 +20318,18 @@
           <a:lstStyle/>
           <a:p>
             <a:r>
-              <a:rPr lang="ja-JP" altLang="en-US" sz="8000" b="1" dirty="0">
+              <a:rPr lang="ja-JP" altLang="en-US" sz="6000" b="1" dirty="0" smtClean="0">
                 <a:latin typeface="メイリオ" pitchFamily="50" charset="-128"/>
                 <a:ea typeface="メイリオ" pitchFamily="50" charset="-128"/>
                 <a:cs typeface="メイリオ" pitchFamily="50" charset="-128"/>
               </a:rPr>
               <a:t>時間軸</a:t>
             </a:r>
+            <a:endParaRPr lang="ja-JP" altLang="en-US" sz="6000" b="1" dirty="0">
+              <a:latin typeface="メイリオ" pitchFamily="50" charset="-128"/>
+              <a:ea typeface="メイリオ" pitchFamily="50" charset="-128"/>
+              <a:cs typeface="メイリオ" pitchFamily="50" charset="-128"/>
+            </a:endParaRPr>
           </a:p>
         </p:txBody>
       </p:sp>
@@ -20312,8 +20341,8 @@
         </p:nvSpPr>
         <p:spPr>
           <a:xfrm>
-            <a:off x="9109224" y="7760048"/>
-            <a:ext cx="4039816" cy="1529221"/>
+            <a:off x="9461896" y="7579147"/>
+            <a:ext cx="4039816" cy="1221445"/>
           </a:xfrm>
           <a:prstGeom prst="rect">
             <a:avLst/>
@@ -20327,7 +20356,7 @@
           <a:lstStyle/>
           <a:p>
             <a:r>
-              <a:rPr lang="ja-JP" altLang="en-US" sz="8000" b="1" dirty="0">
+              <a:rPr lang="ja-JP" altLang="en-US" sz="6000" b="1" dirty="0">
                 <a:latin typeface="メイリオ" pitchFamily="50" charset="-128"/>
                 <a:ea typeface="メイリオ" pitchFamily="50" charset="-128"/>
                 <a:cs typeface="メイリオ" pitchFamily="50" charset="-128"/>
@@ -20345,8 +20374,8 @@
         </p:nvSpPr>
         <p:spPr>
           <a:xfrm>
-            <a:off x="14700877" y="7760048"/>
-            <a:ext cx="6361675" cy="1529221"/>
+            <a:off x="15276941" y="7579147"/>
+            <a:ext cx="6361675" cy="1221445"/>
           </a:xfrm>
           <a:prstGeom prst="rect">
             <a:avLst/>
@@ -20360,7 +20389,7 @@
           <a:lstStyle/>
           <a:p>
             <a:r>
-              <a:rPr lang="ja-JP" altLang="en-US" sz="8000" b="1" dirty="0">
+              <a:rPr lang="ja-JP" altLang="en-US" sz="6000" b="1" dirty="0">
                 <a:latin typeface="メイリオ" pitchFamily="50" charset="-128"/>
                 <a:ea typeface="メイリオ" pitchFamily="50" charset="-128"/>
                 <a:cs typeface="メイリオ" pitchFamily="50" charset="-128"/>
@@ -20462,7 +20491,7 @@
         </p:nvSpPr>
         <p:spPr>
           <a:xfrm>
-            <a:off x="1257490" y="10914404"/>
+            <a:off x="1257490" y="10387459"/>
             <a:ext cx="5706371" cy="1728192"/>
           </a:xfrm>
           <a:prstGeom prst="roundRect">
@@ -20528,7 +20557,7 @@
         </p:nvSpPr>
         <p:spPr>
           <a:xfrm>
-            <a:off x="8081627" y="10914404"/>
+            <a:off x="8029104" y="10409696"/>
             <a:ext cx="5772951" cy="1728192"/>
           </a:xfrm>
           <a:prstGeom prst="roundRect">
@@ -20586,7 +20615,7 @@
         </p:nvSpPr>
         <p:spPr>
           <a:xfrm>
-            <a:off x="14700877" y="10914405"/>
+            <a:off x="14733216" y="10364763"/>
             <a:ext cx="5393861" cy="1728192"/>
           </a:xfrm>
           <a:prstGeom prst="roundRect">
@@ -20659,7 +20688,7 @@
         </p:nvSpPr>
         <p:spPr>
           <a:xfrm>
-            <a:off x="6070750" y="14491915"/>
+            <a:off x="6070750" y="13843843"/>
             <a:ext cx="12687546" cy="1529221"/>
           </a:xfrm>
           <a:prstGeom prst="rect">
@@ -20711,7 +20740,7 @@
         </p:nvSpPr>
         <p:spPr>
           <a:xfrm>
-            <a:off x="1083075" y="16148099"/>
+            <a:off x="1083075" y="15421624"/>
             <a:ext cx="9885027" cy="1775443"/>
           </a:xfrm>
           <a:prstGeom prst="rect">
@@ -20762,13 +20791,13 @@
           <p:nvPr>
             <p:extLst>
               <p:ext uri="{D42A27DB-BD31-4B8C-83A1-F6EECF244321}">
-                <p14:modId xmlns:p14="http://schemas.microsoft.com/office/powerpoint/2010/main" val="4221044849"/>
+                <p14:modId xmlns:p14="http://schemas.microsoft.com/office/powerpoint/2010/main" val="2665757798"/>
               </p:ext>
             </p:extLst>
           </p:nvPr>
         </p:nvGraphicFramePr>
         <p:xfrm>
-          <a:off x="778501" y="18170932"/>
+          <a:off x="778501" y="17444457"/>
           <a:ext cx="11715752" cy="6073429"/>
         </p:xfrm>
         <a:graphic>
@@ -20786,13 +20815,13 @@
           <p:nvPr>
             <p:extLst>
               <p:ext uri="{D42A27DB-BD31-4B8C-83A1-F6EECF244321}">
-                <p14:modId xmlns:p14="http://schemas.microsoft.com/office/powerpoint/2010/main" val="171030410"/>
+                <p14:modId xmlns:p14="http://schemas.microsoft.com/office/powerpoint/2010/main" val="1635708506"/>
               </p:ext>
             </p:extLst>
           </p:nvPr>
         </p:nvGraphicFramePr>
         <p:xfrm>
-          <a:off x="11730582" y="18020307"/>
+          <a:off x="11730582" y="17293832"/>
           <a:ext cx="8705514" cy="6264696"/>
         </p:xfrm>
         <a:graphic>
@@ -20810,13 +20839,13 @@
           <p:nvPr>
             <p:extLst>
               <p:ext uri="{D42A27DB-BD31-4B8C-83A1-F6EECF244321}">
-                <p14:modId xmlns:p14="http://schemas.microsoft.com/office/powerpoint/2010/main" val="938388948"/>
+                <p14:modId xmlns:p14="http://schemas.microsoft.com/office/powerpoint/2010/main" val="2291341446"/>
               </p:ext>
             </p:extLst>
           </p:nvPr>
         </p:nvGraphicFramePr>
         <p:xfrm>
-          <a:off x="1116338" y="24429019"/>
+          <a:off x="1116338" y="23702544"/>
           <a:ext cx="12636836" cy="3960440"/>
         </p:xfrm>
         <a:graphic>
@@ -20833,7 +20862,7 @@
         </p:nvSpPr>
         <p:spPr>
           <a:xfrm>
-            <a:off x="13149040" y="24861067"/>
+            <a:off x="13149040" y="24134592"/>
             <a:ext cx="7970013" cy="5184576"/>
           </a:xfrm>
           <a:prstGeom prst="wedgeRoundRectCallout">
@@ -20875,7 +20904,7 @@
         </p:nvSpPr>
         <p:spPr>
           <a:xfrm>
-            <a:off x="13447497" y="25149099"/>
+            <a:off x="13447497" y="24422624"/>
             <a:ext cx="7615056" cy="5262979"/>
           </a:xfrm>
           <a:prstGeom prst="rect">
@@ -21042,6 +21071,101 @@
               <a:latin typeface="メイリオ" pitchFamily="50" charset="-128"/>
               <a:ea typeface="メイリオ" pitchFamily="50" charset="-128"/>
               <a:cs typeface="メイリオ" pitchFamily="50" charset="-128"/>
+            </a:endParaRPr>
+          </a:p>
+        </p:txBody>
+      </p:sp>
+      <p:sp>
+        <p:nvSpPr>
+          <p:cNvPr id="3" name="角丸四角形吹き出し 2"/>
+          <p:cNvSpPr/>
+          <p:nvPr/>
+        </p:nvSpPr>
+        <p:spPr>
+          <a:xfrm>
+            <a:off x="252240" y="27813395"/>
+            <a:ext cx="12162283" cy="2160240"/>
+          </a:xfrm>
+          <a:prstGeom prst="wedgeRoundRectCallout">
+            <a:avLst>
+              <a:gd name="adj1" fmla="val -16167"/>
+              <a:gd name="adj2" fmla="val -68865"/>
+              <a:gd name="adj3" fmla="val 16667"/>
+            </a:avLst>
+          </a:prstGeom>
+        </p:spPr>
+        <p:style>
+          <a:lnRef idx="2">
+            <a:schemeClr val="accent6"/>
+          </a:lnRef>
+          <a:fillRef idx="1">
+            <a:schemeClr val="lt1"/>
+          </a:fillRef>
+          <a:effectRef idx="0">
+            <a:schemeClr val="accent6"/>
+          </a:effectRef>
+          <a:fontRef idx="minor">
+            <a:schemeClr val="dk1"/>
+          </a:fontRef>
+        </p:style>
+        <p:txBody>
+          <a:bodyPr rtlCol="0" anchor="ctr"/>
+          <a:lstStyle/>
+          <a:p>
+            <a:pPr algn="ctr"/>
+            <a:endParaRPr kumimoji="1" lang="ja-JP" altLang="en-US"/>
+          </a:p>
+        </p:txBody>
+      </p:sp>
+      <p:sp>
+        <p:nvSpPr>
+          <p:cNvPr id="6" name="テキスト ボックス 5"/>
+          <p:cNvSpPr txBox="1"/>
+          <p:nvPr/>
+        </p:nvSpPr>
+        <p:spPr>
+          <a:xfrm>
+            <a:off x="612280" y="28187951"/>
+            <a:ext cx="11953329" cy="1569660"/>
+          </a:xfrm>
+          <a:prstGeom prst="rect">
+            <a:avLst/>
+          </a:prstGeom>
+          <a:noFill/>
+        </p:spPr>
+        <p:txBody>
+          <a:bodyPr wrap="square" rtlCol="0">
+            <a:spAutoFit/>
+          </a:bodyPr>
+          <a:lstStyle/>
+          <a:p>
+            <a:r>
+              <a:rPr kumimoji="1" lang="ja-JP" altLang="en-US" sz="4800" b="1" dirty="0" smtClean="0">
+                <a:latin typeface="メイリオ" panose="020B0604030504040204" pitchFamily="50" charset="-128"/>
+                <a:ea typeface="メイリオ" panose="020B0604030504040204" pitchFamily="50" charset="-128"/>
+                <a:cs typeface="メイリオ" panose="020B0604030504040204" pitchFamily="50" charset="-128"/>
+              </a:rPr>
+              <a:t>会話中心型と広報中心型の違いが判る</a:t>
+            </a:r>
+            <a:endParaRPr kumimoji="1" lang="en-US" altLang="ja-JP" sz="4800" b="1" dirty="0" smtClean="0">
+              <a:latin typeface="メイリオ" panose="020B0604030504040204" pitchFamily="50" charset="-128"/>
+              <a:ea typeface="メイリオ" panose="020B0604030504040204" pitchFamily="50" charset="-128"/>
+              <a:cs typeface="メイリオ" panose="020B0604030504040204" pitchFamily="50" charset="-128"/>
+            </a:endParaRPr>
+          </a:p>
+          <a:p>
+            <a:r>
+              <a:rPr kumimoji="1" lang="ja-JP" altLang="en-US" sz="4800" b="1" dirty="0" smtClean="0">
+                <a:latin typeface="メイリオ" panose="020B0604030504040204" pitchFamily="50" charset="-128"/>
+                <a:ea typeface="メイリオ" panose="020B0604030504040204" pitchFamily="50" charset="-128"/>
+                <a:cs typeface="メイリオ" panose="020B0604030504040204" pitchFamily="50" charset="-128"/>
+              </a:rPr>
+              <a:t>成果が得られるとパターンを構築しやすい</a:t>
+            </a:r>
+            <a:endParaRPr kumimoji="1" lang="ja-JP" altLang="en-US" sz="4800" b="1" dirty="0">
+              <a:latin typeface="メイリオ" panose="020B0604030504040204" pitchFamily="50" charset="-128"/>
+              <a:ea typeface="メイリオ" panose="020B0604030504040204" pitchFamily="50" charset="-128"/>
+              <a:cs typeface="メイリオ" panose="020B0604030504040204" pitchFamily="50" charset="-128"/>
             </a:endParaRPr>
           </a:p>
         </p:txBody>
